--- a/Section 8 - Presenting/Learning.pptx
+++ b/Section 8 - Presenting/Learning.pptx
@@ -6,6 +6,10 @@
   </p:sldMasterIdLst>
   <p:sldIdLst>
     <p:sldId id="256" r:id="rId2"/>
+    <p:sldId id="257" r:id="rId3"/>
+    <p:sldId id="258" r:id="rId4"/>
+    <p:sldId id="259" r:id="rId5"/>
+    <p:sldId id="260" r:id="rId6"/>
   </p:sldIdLst>
   <p:sldSz cx="12192000" cy="6858000"/>
   <p:notesSz cx="6858000" cy="9144000"/>
@@ -104,7 +108,43 @@
       </a:defRPr>
     </a:lvl9pPr>
   </p:defaultTextStyle>
+  <p:extLst>
+    <p:ext uri="{EFAFB233-063F-42B5-8137-9DF3F51BA10A}">
+      <p15:sldGuideLst xmlns:p15="http://schemas.microsoft.com/office/powerpoint/2012/main"/>
+    </p:ext>
+  </p:extLst>
 </p:presentation>
+</file>
+
+<file path=ppt/ink/ink1.xml><?xml version="1.0" encoding="utf-8"?>
+<inkml:ink xmlns:inkml="http://www.w3.org/2003/InkML">
+  <inkml:definitions>
+    <inkml:context xml:id="ctx0">
+      <inkml:inkSource xml:id="inkSrc0">
+        <inkml:traceFormat>
+          <inkml:channel name="X" type="integer" max="1280" units="cm"/>
+          <inkml:channel name="Y" type="integer" max="800" units="cm"/>
+          <inkml:channel name="T" type="integer" max="2.14748E9" units="dev"/>
+        </inkml:traceFormat>
+        <inkml:channelProperties>
+          <inkml:channelProperty channel="X" name="resolution" value="28.31858" units="1/cm"/>
+          <inkml:channelProperty channel="Y" name="resolution" value="28.36879" units="1/cm"/>
+          <inkml:channelProperty channel="T" name="resolution" value="1" units="1/dev"/>
+        </inkml:channelProperties>
+      </inkml:inkSource>
+      <inkml:timestamp xml:id="ts0" timeString="2022-11-06T10:58:47.450"/>
+    </inkml:context>
+    <inkml:brush xml:id="br0">
+      <inkml:brushProperty name="width" value="0.05292" units="cm"/>
+      <inkml:brushProperty name="height" value="0.05292" units="cm"/>
+      <inkml:brushProperty name="color" value="#FF0000"/>
+    </inkml:brush>
+  </inkml:definitions>
+  <inkml:trace contextRef="#ctx0" brushRef="#br0">22199 12727 0,'0'0'62,"0"132"-62,0 53 16,0 53-16,0 80 16,0-27-16,0 0 15,0 0-15,0-26 16,0-27-16,0-80 15,0-52-15,0-26 16,0-54-16,0-26 16,0-53 46,0-211-62,0 26 16,0-1-16,0 28 15,0-80-15,0 53 16,0 52-16,0 1 15,0 26-15,0 54 16,0-81-16,0 107 16,26-27-16,27 53 15,-53 27-15,26-27 16,27 0-16,-53 53 15,27-27 1,-1 27 0,1 0-1,-1 0 1,1 0-1,25 0-15,-52 27 16,27-27-16,-1 26 16,1 1 15,-27-27-16,0 26-15,0 80 16,26-26-16,-26 52 16,0 0-16,0 27 15,0 26-15,0-26 16,0-53-16,0-1 15,0 28-15,0-54 16,0 1-16,-53-28 16,0 28-16,27-1 15,0-26-15,-1 26 16,-26 1-16,27-54 15,-1 1-15,1-1 16,-1 1-16,1 26 16,26-53-1,0 26-15,-27 1 16,1-27-1,26 26-15,-26-26 47,26 0-16,-27 0 1,27 26-32</inkml:trace>
+  <inkml:trace contextRef="#ctx0" brushRef="#br0" timeOffset="736.0421">23230 13679 0,'0'0'15,"0"0"1,80 0-16,26 0 16,26 0-16,132-132 15,-52 53-15,-53-1 16,0 27-16,-106 0 15,0 27-15,-27 26 16,-26-27-16,0 1 16,0 26-1,0-26-15,0-1 16,0 1-1,-26 26 1,-1 0-16,-26 0 16,27 0-16,-27 0 15,-80 0-15,54 0 16,26 26-16,-79 53 15,132-79-15,-53 80 16,53-54-16,-27 80 16,1-53-16,26 53 15,-26-53 1,26 26-16,0-26 15,0 26-15,0 1 16,0-1-16,0 1 16,0-27-16,79 52 15,-53-78-15,27 26 16,0-27-16,53 1 15,-79-27-15,25 0 16,1 0-16,0 0 16,27 0-16,-1 0 15,27 0-15,-27 0 16,54-53-16,-81 26 15,107-79-15,-106 54 16,79-28-16,-52-26 16</inkml:trace>
+  <inkml:trace contextRef="#ctx0" brushRef="#br0" timeOffset="1793.1026">25559 13309 0,'0'0'15,"-27"53"-15,-26 132 16,53-106-16,-26 80 15,26-53-15,-27 53 16,1-53-16,26-1 16,-26 1-16,26-26 15,-27-28-15,27-25 16,0-1-16,0-26 15,0-26 48,0-159-48,0 52-15,27-25 16,-1-1-16,53-26 16,-52 26-16,26 53 15,26-26-15,-52 26 16,52 27-16,-53 52 15,-26 1-15,27 26 32,-27 0-32,26 26 15,1 54-15,-1-1 16,27 80-16,-53-53 15,53 52-15,-53 27 16,0-26-16,0-26 16,0-1-16,0-26 15,0-1-15,0-25 16,0-54-16,0 54 15,0-54-15,0-26 63,0-185-48,106-27-15,-53-26 16,53-26-16,-1 78 16,28-25-16,-54 52 15,53 27-15,-79 79 16,0 0-16,0 53 15,-26-27-15,-1 1 16,-26 26-16,27 0 16,-27 26-16,53-26 15,-1 80-15,-25-80 16,-1 26-16,1 54 15,-27-28-15,0 28 16,0-54-16,0 80 16,0-26-16,0-28 15,0 28-15,0-27 16,0-27-16,0 27 15,0-53-15,0 27 16</inkml:trace>
+  <inkml:trace contextRef="#ctx0" brushRef="#br0" timeOffset="2680.1533">27861 12991 0,'0'0'0,"-53"0"16,0 0-16,0 27 15,26 26-15,-52 0 16,53 0-16,-27-1 15,26-25-15,1 52 16,-1-26-16,27 53 16,-26-53-16,26 0 15,0 53-15,0-27 16,0 27-16,0-80 15,0 54-15,26-27 16,27 26-16,53 27 16,-27-80-16,1 1 15,-27-1-15,-27-26 16,27 0-16,0 0 15,0 0-15,-27 0 16,-26 0-16,53 0 16,0 0-16,-26 0 15,26-53 1,-27 0-16,1 27 15,52-80-15,-26 53 16,-27-26-16,1-53 16,26 79-16,-53-27 15,0 1-15,0-27 16,0-26-16,0 52 15,0 27-15,0 1 16,0-1-16,-27 0 16,-26 0-16,27 53 15,-54-27-15,54 27 16,-27 0-16,27 0 15,-27 0-15,26 0 16,-26 0-16,27 0 16,26 0-16,-27 0 15,1 0-15,-1 0 31</inkml:trace>
+</inkml:ink>
 </file>
 
 <file path=ppt/slideLayouts/slideLayout1.xml><?xml version="1.0" encoding="utf-8"?>
@@ -238,7 +278,7 @@
           <a:p>
             <a:fld id="{6B127FB5-68ED-4C62-8D55-A403E63FB6E9}" type="datetimeFigureOut">
               <a:rPr lang="en-US" smtClean="0"/>
-              <a:t>10/19/2022</a:t>
+              <a:t>11/6/2022</a:t>
             </a:fld>
             <a:endParaRPr lang="en-US"/>
           </a:p>
@@ -408,7 +448,7 @@
           <a:p>
             <a:fld id="{6B127FB5-68ED-4C62-8D55-A403E63FB6E9}" type="datetimeFigureOut">
               <a:rPr lang="en-US" smtClean="0"/>
-              <a:t>10/19/2022</a:t>
+              <a:t>11/6/2022</a:t>
             </a:fld>
             <a:endParaRPr lang="en-US"/>
           </a:p>
@@ -588,7 +628,7 @@
           <a:p>
             <a:fld id="{6B127FB5-68ED-4C62-8D55-A403E63FB6E9}" type="datetimeFigureOut">
               <a:rPr lang="en-US" smtClean="0"/>
-              <a:t>10/19/2022</a:t>
+              <a:t>11/6/2022</a:t>
             </a:fld>
             <a:endParaRPr lang="en-US"/>
           </a:p>
@@ -758,7 +798,7 @@
           <a:p>
             <a:fld id="{6B127FB5-68ED-4C62-8D55-A403E63FB6E9}" type="datetimeFigureOut">
               <a:rPr lang="en-US" smtClean="0"/>
-              <a:t>10/19/2022</a:t>
+              <a:t>11/6/2022</a:t>
             </a:fld>
             <a:endParaRPr lang="en-US"/>
           </a:p>
@@ -1004,7 +1044,7 @@
           <a:p>
             <a:fld id="{6B127FB5-68ED-4C62-8D55-A403E63FB6E9}" type="datetimeFigureOut">
               <a:rPr lang="en-US" smtClean="0"/>
-              <a:t>10/19/2022</a:t>
+              <a:t>11/6/2022</a:t>
             </a:fld>
             <a:endParaRPr lang="en-US"/>
           </a:p>
@@ -1236,7 +1276,7 @@
           <a:p>
             <a:fld id="{6B127FB5-68ED-4C62-8D55-A403E63FB6E9}" type="datetimeFigureOut">
               <a:rPr lang="en-US" smtClean="0"/>
-              <a:t>10/19/2022</a:t>
+              <a:t>11/6/2022</a:t>
             </a:fld>
             <a:endParaRPr lang="en-US"/>
           </a:p>
@@ -1603,7 +1643,7 @@
           <a:p>
             <a:fld id="{6B127FB5-68ED-4C62-8D55-A403E63FB6E9}" type="datetimeFigureOut">
               <a:rPr lang="en-US" smtClean="0"/>
-              <a:t>10/19/2022</a:t>
+              <a:t>11/6/2022</a:t>
             </a:fld>
             <a:endParaRPr lang="en-US"/>
           </a:p>
@@ -1721,7 +1761,7 @@
           <a:p>
             <a:fld id="{6B127FB5-68ED-4C62-8D55-A403E63FB6E9}" type="datetimeFigureOut">
               <a:rPr lang="en-US" smtClean="0"/>
-              <a:t>10/19/2022</a:t>
+              <a:t>11/6/2022</a:t>
             </a:fld>
             <a:endParaRPr lang="en-US"/>
           </a:p>
@@ -1816,7 +1856,7 @@
           <a:p>
             <a:fld id="{6B127FB5-68ED-4C62-8D55-A403E63FB6E9}" type="datetimeFigureOut">
               <a:rPr lang="en-US" smtClean="0"/>
-              <a:t>10/19/2022</a:t>
+              <a:t>11/6/2022</a:t>
             </a:fld>
             <a:endParaRPr lang="en-US"/>
           </a:p>
@@ -2093,7 +2133,7 @@
           <a:p>
             <a:fld id="{6B127FB5-68ED-4C62-8D55-A403E63FB6E9}" type="datetimeFigureOut">
               <a:rPr lang="en-US" smtClean="0"/>
-              <a:t>10/19/2022</a:t>
+              <a:t>11/6/2022</a:t>
             </a:fld>
             <a:endParaRPr lang="en-US"/>
           </a:p>
@@ -2346,7 +2386,7 @@
           <a:p>
             <a:fld id="{6B127FB5-68ED-4C62-8D55-A403E63FB6E9}" type="datetimeFigureOut">
               <a:rPr lang="en-US" smtClean="0"/>
-              <a:t>10/19/2022</a:t>
+              <a:t>11/6/2022</a:t>
             </a:fld>
             <a:endParaRPr lang="en-US"/>
           </a:p>
@@ -2559,7 +2599,7 @@
           <a:p>
             <a:fld id="{6B127FB5-68ED-4C62-8D55-A403E63FB6E9}" type="datetimeFigureOut">
               <a:rPr lang="en-US" smtClean="0"/>
-              <a:t>10/19/2022</a:t>
+              <a:t>11/6/2022</a:t>
             </a:fld>
             <a:endParaRPr lang="en-US"/>
           </a:p>
@@ -3023,10 +3063,10 @@
           <a:p>
             <a:pPr lvl="1"/>
             <a:r>
-              <a:rPr lang="en-US" smtClean="0"/>
+              <a:rPr lang="en-US" dirty="0" smtClean="0"/>
               <a:t>Sử dụng tính năng pen để nhấn mạnh 1 vấn đề nào đó.</a:t>
             </a:r>
-            <a:endParaRPr lang="en-US"/>
+            <a:endParaRPr lang="en-US" dirty="0"/>
           </a:p>
         </p:txBody>
       </p:sp>
@@ -3040,6 +3080,469 @@
   <p:clrMapOvr>
     <a:masterClrMapping/>
   </p:clrMapOvr>
+  <p:timing>
+    <p:tnLst>
+      <p:par>
+        <p:cTn id="1" dur="indefinite" restart="never" nodeType="tmRoot"/>
+      </p:par>
+    </p:tnLst>
+  </p:timing>
+</p:sld>
+</file>
+
+<file path=ppt/slides/slide2.xml><?xml version="1.0" encoding="utf-8"?>
+<p:sld xmlns:a="http://schemas.openxmlformats.org/drawingml/2006/main" xmlns:r="http://schemas.openxmlformats.org/officeDocument/2006/relationships" xmlns:p="http://schemas.openxmlformats.org/presentationml/2006/main">
+  <p:cSld>
+    <p:spTree>
+      <p:nvGrpSpPr>
+        <p:cNvPr id="1" name=""/>
+        <p:cNvGrpSpPr/>
+        <p:nvPr/>
+      </p:nvGrpSpPr>
+      <p:grpSpPr>
+        <a:xfrm>
+          <a:off x="0" y="0"/>
+          <a:ext cx="0" cy="0"/>
+          <a:chOff x="0" y="0"/>
+          <a:chExt cx="0" cy="0"/>
+        </a:xfrm>
+      </p:grpSpPr>
+      <p:sp>
+        <p:nvSpPr>
+          <p:cNvPr id="2" name="Title 1"/>
+          <p:cNvSpPr>
+            <a:spLocks noGrp="1"/>
+          </p:cNvSpPr>
+          <p:nvPr>
+            <p:ph type="title"/>
+          </p:nvPr>
+        </p:nvSpPr>
+        <p:spPr/>
+        <p:txBody>
+          <a:bodyPr/>
+          <a:lstStyle/>
+          <a:p>
+            <a:r>
+              <a:rPr lang="en-US" dirty="0" smtClean="0"/>
+              <a:t>II. </a:t>
+            </a:r>
+            <a:r>
+              <a:rPr lang="en-US" dirty="0"/>
+              <a:t>Adding relevant elements</a:t>
+            </a:r>
+            <a:endParaRPr lang="en-US" dirty="0"/>
+          </a:p>
+        </p:txBody>
+      </p:sp>
+      <p:sp>
+        <p:nvSpPr>
+          <p:cNvPr id="3" name="Content Placeholder 2"/>
+          <p:cNvSpPr>
+            <a:spLocks noGrp="1"/>
+          </p:cNvSpPr>
+          <p:nvPr>
+            <p:ph idx="1"/>
+          </p:nvPr>
+        </p:nvSpPr>
+        <p:spPr/>
+        <p:txBody>
+          <a:bodyPr/>
+          <a:lstStyle/>
+          <a:p>
+            <a:r>
+              <a:rPr lang="en-US" dirty="0" smtClean="0"/>
+              <a:t>Thêm 1 số element để giữ chân sự chú ý của người xem.</a:t>
+            </a:r>
+          </a:p>
+          <a:p>
+            <a:r>
+              <a:rPr lang="en-US" dirty="0" smtClean="0"/>
+              <a:t>Chẳng hạn: Biểu đồ có thể dùng mũi tên để trỏ vào biểu đồ hoặc dùng khung để đánh dấu vùng quan trọng</a:t>
+            </a:r>
+            <a:endParaRPr lang="en-US" dirty="0"/>
+          </a:p>
+        </p:txBody>
+      </p:sp>
+    </p:spTree>
+    <p:extLst>
+      <p:ext uri="{BB962C8B-B14F-4D97-AF65-F5344CB8AC3E}">
+        <p14:creationId xmlns:p14="http://schemas.microsoft.com/office/powerpoint/2010/main" val="3011984094"/>
+      </p:ext>
+    </p:extLst>
+  </p:cSld>
+  <p:clrMapOvr>
+    <a:masterClrMapping/>
+  </p:clrMapOvr>
+  <p:timing>
+    <p:tnLst>
+      <p:par>
+        <p:cTn id="1" dur="indefinite" restart="never" nodeType="tmRoot"/>
+      </p:par>
+    </p:tnLst>
+  </p:timing>
+</p:sld>
+</file>
+
+<file path=ppt/slides/slide3.xml><?xml version="1.0" encoding="utf-8"?>
+<p:sld xmlns:a="http://schemas.openxmlformats.org/drawingml/2006/main" xmlns:r="http://schemas.openxmlformats.org/officeDocument/2006/relationships" xmlns:p="http://schemas.openxmlformats.org/presentationml/2006/main">
+  <p:cSld>
+    <p:spTree>
+      <p:nvGrpSpPr>
+        <p:cNvPr id="1" name=""/>
+        <p:cNvGrpSpPr/>
+        <p:nvPr/>
+      </p:nvGrpSpPr>
+      <p:grpSpPr>
+        <a:xfrm>
+          <a:off x="0" y="0"/>
+          <a:ext cx="0" cy="0"/>
+          <a:chOff x="0" y="0"/>
+          <a:chExt cx="0" cy="0"/>
+        </a:xfrm>
+      </p:grpSpPr>
+      <p:sp>
+        <p:nvSpPr>
+          <p:cNvPr id="2" name="Title 1"/>
+          <p:cNvSpPr>
+            <a:spLocks noGrp="1"/>
+          </p:cNvSpPr>
+          <p:nvPr>
+            <p:ph type="title"/>
+          </p:nvPr>
+        </p:nvSpPr>
+        <p:spPr/>
+        <p:txBody>
+          <a:bodyPr/>
+          <a:lstStyle/>
+          <a:p>
+            <a:r>
+              <a:rPr lang="en-US" dirty="0" smtClean="0"/>
+              <a:t>III. </a:t>
+            </a:r>
+            <a:r>
+              <a:rPr lang="en-US" dirty="0"/>
+              <a:t> Presenting a presentation</a:t>
+            </a:r>
+            <a:endParaRPr lang="en-US" dirty="0"/>
+          </a:p>
+        </p:txBody>
+      </p:sp>
+      <p:sp>
+        <p:nvSpPr>
+          <p:cNvPr id="3" name="Content Placeholder 2"/>
+          <p:cNvSpPr>
+            <a:spLocks noGrp="1"/>
+          </p:cNvSpPr>
+          <p:nvPr>
+            <p:ph idx="1"/>
+          </p:nvPr>
+        </p:nvSpPr>
+        <p:spPr/>
+        <p:txBody>
+          <a:bodyPr/>
+          <a:lstStyle/>
+          <a:p>
+            <a:r>
+              <a:rPr lang="en-US" dirty="0" smtClean="0"/>
+              <a:t>Ý này chủ yếu nói về cách thuyết trình</a:t>
+            </a:r>
+            <a:endParaRPr lang="en-US" dirty="0"/>
+          </a:p>
+        </p:txBody>
+      </p:sp>
+    </p:spTree>
+    <p:extLst>
+      <p:ext uri="{BB962C8B-B14F-4D97-AF65-F5344CB8AC3E}">
+        <p14:creationId xmlns:p14="http://schemas.microsoft.com/office/powerpoint/2010/main" val="1160692045"/>
+      </p:ext>
+    </p:extLst>
+  </p:cSld>
+  <p:clrMapOvr>
+    <a:masterClrMapping/>
+  </p:clrMapOvr>
+  <p:timing>
+    <p:tnLst>
+      <p:par>
+        <p:cTn id="1" dur="indefinite" restart="never" nodeType="tmRoot"/>
+      </p:par>
+    </p:tnLst>
+  </p:timing>
+</p:sld>
+</file>
+
+<file path=ppt/slides/slide4.xml><?xml version="1.0" encoding="utf-8"?>
+<p:sld xmlns:a="http://schemas.openxmlformats.org/drawingml/2006/main" xmlns:r="http://schemas.openxmlformats.org/officeDocument/2006/relationships" xmlns:p="http://schemas.openxmlformats.org/presentationml/2006/main">
+  <p:cSld>
+    <p:spTree>
+      <p:nvGrpSpPr>
+        <p:cNvPr id="1" name=""/>
+        <p:cNvGrpSpPr/>
+        <p:nvPr/>
+      </p:nvGrpSpPr>
+      <p:grpSpPr>
+        <a:xfrm>
+          <a:off x="0" y="0"/>
+          <a:ext cx="0" cy="0"/>
+          <a:chOff x="0" y="0"/>
+          <a:chExt cx="0" cy="0"/>
+        </a:xfrm>
+      </p:grpSpPr>
+      <p:sp>
+        <p:nvSpPr>
+          <p:cNvPr id="2" name="Title 1"/>
+          <p:cNvSpPr>
+            <a:spLocks noGrp="1"/>
+          </p:cNvSpPr>
+          <p:nvPr>
+            <p:ph type="title"/>
+          </p:nvPr>
+        </p:nvSpPr>
+        <p:spPr/>
+        <p:txBody>
+          <a:bodyPr/>
+          <a:lstStyle/>
+          <a:p>
+            <a:r>
+              <a:rPr lang="en-US" dirty="0" smtClean="0"/>
+              <a:t>IV. </a:t>
+            </a:r>
+            <a:r>
+              <a:rPr lang="en-US" dirty="0"/>
+              <a:t>Pen </a:t>
+            </a:r>
+            <a:r>
+              <a:rPr lang="en-US" dirty="0" smtClean="0"/>
+              <a:t>Tool</a:t>
+            </a:r>
+            <a:endParaRPr lang="en-US" dirty="0"/>
+          </a:p>
+        </p:txBody>
+      </p:sp>
+      <p:sp>
+        <p:nvSpPr>
+          <p:cNvPr id="3" name="Content Placeholder 2"/>
+          <p:cNvSpPr>
+            <a:spLocks noGrp="1"/>
+          </p:cNvSpPr>
+          <p:nvPr>
+            <p:ph idx="1"/>
+          </p:nvPr>
+        </p:nvSpPr>
+        <p:spPr/>
+        <p:txBody>
+          <a:bodyPr/>
+          <a:lstStyle/>
+          <a:p>
+            <a:r>
+              <a:rPr lang="en-US" dirty="0" smtClean="0"/>
+              <a:t>Tính năng Liser Pointer</a:t>
+            </a:r>
+          </a:p>
+          <a:p>
+            <a:r>
+              <a:rPr lang="en-US" dirty="0" smtClean="0"/>
+              <a:t>Tính năng Pen</a:t>
+            </a:r>
+          </a:p>
+          <a:p>
+            <a:pPr lvl="1"/>
+            <a:r>
+              <a:rPr lang="en-US" dirty="0" smtClean="0"/>
+              <a:t>Khi lưu lại các kí tự đã viết, chúng sẽ có thể chỉnh sửa animation trong slide được, như bên dưới</a:t>
+            </a:r>
+          </a:p>
+          <a:p>
+            <a:r>
+              <a:rPr lang="en-US" dirty="0" smtClean="0"/>
+              <a:t>Tính năng hightlighting</a:t>
+            </a:r>
+            <a:endParaRPr lang="en-US" dirty="0"/>
+          </a:p>
+        </p:txBody>
+      </p:sp>
+      <mc:AlternateContent xmlns:mc="http://schemas.openxmlformats.org/markup-compatibility/2006">
+        <mc:Choice xmlns:p14="http://schemas.microsoft.com/office/powerpoint/2010/main" Requires="p14">
+          <p:contentPart p14:bwMode="auto" r:id="rId2">
+            <p14:nvContentPartPr>
+              <p14:cNvPr id="4" name="Ink 3"/>
+              <p14:cNvContentPartPr/>
+              <p14:nvPr/>
+            </p14:nvContentPartPr>
+            <p14:xfrm>
+              <a:off x="7981920" y="4533840"/>
+              <a:ext cx="2277000" cy="991080"/>
+            </p14:xfrm>
+          </p:contentPart>
+        </mc:Choice>
+        <mc:Fallback>
+          <p:pic>
+            <p:nvPicPr>
+              <p:cNvPr id="4" name="Ink 3"/>
+              <p:cNvPicPr/>
+              <p:nvPr/>
+            </p:nvPicPr>
+            <p:blipFill>
+              <a:blip r:embed="rId3"/>
+              <a:stretch>
+                <a:fillRect/>
+              </a:stretch>
+            </p:blipFill>
+            <p:spPr>
+              <a:xfrm>
+                <a:off x="7972560" y="4524480"/>
+                <a:ext cx="2295720" cy="1009800"/>
+              </a:xfrm>
+              <a:prstGeom prst="rect">
+                <a:avLst/>
+              </a:prstGeom>
+            </p:spPr>
+          </p:pic>
+        </mc:Fallback>
+      </mc:AlternateContent>
+    </p:spTree>
+    <p:extLst>
+      <p:ext uri="{BB962C8B-B14F-4D97-AF65-F5344CB8AC3E}">
+        <p14:creationId xmlns:p14="http://schemas.microsoft.com/office/powerpoint/2010/main" val="389322156"/>
+      </p:ext>
+    </p:extLst>
+  </p:cSld>
+  <p:clrMapOvr>
+    <a:masterClrMapping/>
+  </p:clrMapOvr>
+  <p:timing>
+    <p:tnLst>
+      <p:par>
+        <p:cTn id="1" dur="indefinite" restart="never" nodeType="tmRoot"/>
+      </p:par>
+    </p:tnLst>
+  </p:timing>
+</p:sld>
+</file>
+
+<file path=ppt/slides/slide5.xml><?xml version="1.0" encoding="utf-8"?>
+<p:sld xmlns:a="http://schemas.openxmlformats.org/drawingml/2006/main" xmlns:r="http://schemas.openxmlformats.org/officeDocument/2006/relationships" xmlns:p="http://schemas.openxmlformats.org/presentationml/2006/main">
+  <p:cSld>
+    <p:spTree>
+      <p:nvGrpSpPr>
+        <p:cNvPr id="1" name=""/>
+        <p:cNvGrpSpPr/>
+        <p:nvPr/>
+      </p:nvGrpSpPr>
+      <p:grpSpPr>
+        <a:xfrm>
+          <a:off x="0" y="0"/>
+          <a:ext cx="0" cy="0"/>
+          <a:chOff x="0" y="0"/>
+          <a:chExt cx="0" cy="0"/>
+        </a:xfrm>
+      </p:grpSpPr>
+      <p:sp>
+        <p:nvSpPr>
+          <p:cNvPr id="2" name="Title 1"/>
+          <p:cNvSpPr>
+            <a:spLocks noGrp="1"/>
+          </p:cNvSpPr>
+          <p:nvPr>
+            <p:ph type="title"/>
+          </p:nvPr>
+        </p:nvSpPr>
+        <p:spPr/>
+        <p:txBody>
+          <a:bodyPr/>
+          <a:lstStyle/>
+          <a:p>
+            <a:r>
+              <a:rPr lang="en-US" dirty="0" smtClean="0"/>
+              <a:t>V. Onedrive</a:t>
+            </a:r>
+            <a:endParaRPr lang="en-US" dirty="0"/>
+          </a:p>
+        </p:txBody>
+      </p:sp>
+      <p:sp>
+        <p:nvSpPr>
+          <p:cNvPr id="3" name="Content Placeholder 2"/>
+          <p:cNvSpPr>
+            <a:spLocks noGrp="1"/>
+          </p:cNvSpPr>
+          <p:nvPr>
+            <p:ph idx="1"/>
+          </p:nvPr>
+        </p:nvSpPr>
+        <p:spPr/>
+        <p:txBody>
+          <a:bodyPr/>
+          <a:lstStyle/>
+          <a:p>
+            <a:r>
+              <a:rPr lang="en-US" dirty="0" smtClean="0"/>
+              <a:t>Đưa file lên onedrive</a:t>
+            </a:r>
+          </a:p>
+          <a:p>
+            <a:r>
+              <a:rPr lang="en-US" dirty="0" smtClean="0"/>
+              <a:t>Đ</a:t>
+            </a:r>
+            <a:r>
+              <a:rPr lang="vi-VN" dirty="0" smtClean="0"/>
+              <a:t>ư</a:t>
+            </a:r>
+            <a:r>
+              <a:rPr lang="en-US" dirty="0" smtClean="0"/>
+              <a:t>a link chia sẻ và cách chỉnh sửa (có thể thay đổi thời gian thực)</a:t>
+            </a:r>
+          </a:p>
+          <a:p>
+            <a:r>
+              <a:rPr lang="en-US" dirty="0" smtClean="0"/>
+              <a:t>Xoá link chia sẻ</a:t>
+            </a:r>
+          </a:p>
+          <a:p>
+            <a:r>
+              <a:rPr lang="en-US" dirty="0" smtClean="0"/>
+              <a:t>Chú ý:</a:t>
+            </a:r>
+          </a:p>
+          <a:p>
+            <a:pPr lvl="1"/>
+            <a:r>
+              <a:rPr lang="en-US" dirty="0" smtClean="0"/>
+              <a:t>Không nên chỉnh trên web vì nó có ít tính năng.</a:t>
+            </a:r>
+          </a:p>
+          <a:p>
+            <a:pPr lvl="1"/>
+            <a:r>
+              <a:rPr lang="en-US" dirty="0" smtClean="0"/>
+              <a:t>Dùng bảng tính năng </a:t>
+            </a:r>
+            <a:r>
+              <a:rPr lang="en-US" smtClean="0"/>
+              <a:t>của onedrive, chỉ ra những tính chất về số gb, không có phiên bản cho máy tính bàn, powerpoint trong web và web base.</a:t>
+            </a:r>
+            <a:endParaRPr lang="en-US" dirty="0" smtClean="0"/>
+          </a:p>
+        </p:txBody>
+      </p:sp>
+    </p:spTree>
+    <p:extLst>
+      <p:ext uri="{BB962C8B-B14F-4D97-AF65-F5344CB8AC3E}">
+        <p14:creationId xmlns:p14="http://schemas.microsoft.com/office/powerpoint/2010/main" val="1291675860"/>
+      </p:ext>
+    </p:extLst>
+  </p:cSld>
+  <p:clrMapOvr>
+    <a:masterClrMapping/>
+  </p:clrMapOvr>
+  <p:timing>
+    <p:tnLst>
+      <p:par>
+        <p:cTn id="1" dur="indefinite" restart="never" nodeType="tmRoot"/>
+      </p:par>
+    </p:tnLst>
+  </p:timing>
 </p:sld>
 </file>
 
